--- a/thesis/geohash_grid.pptx
+++ b/thesis/geohash_grid.pptx
@@ -5,11 +5,12 @@
     <p:sldMasterId id="2147483648" r:id="rId1"/>
   </p:sldMasterIdLst>
   <p:notesMasterIdLst>
-    <p:notesMasterId r:id="rId4"/>
+    <p:notesMasterId r:id="rId5"/>
   </p:notesMasterIdLst>
   <p:sldIdLst>
     <p:sldId id="256" r:id="rId2"/>
     <p:sldId id="257" r:id="rId3"/>
+    <p:sldId id="258" r:id="rId4"/>
   </p:sldIdLst>
   <p:sldSz cx="9144000" cy="6858000" type="screen4x3"/>
   <p:notesSz cx="6858000" cy="9144000"/>
@@ -193,7 +194,7 @@
           <a:p>
             <a:fld id="{F71B3B75-CC3C-ED4F-AB22-9394F3E4BFDB}" type="datetimeFigureOut">
               <a:rPr lang="en-US" smtClean="0"/>
-              <a:t>22/06/16</a:t>
+              <a:t>04/07/16</a:t>
             </a:fld>
             <a:endParaRPr lang="en-US"/>
           </a:p>
@@ -726,7 +727,7 @@
           <a:p>
             <a:fld id="{00592D2C-3B4C-5C46-9C62-0AE83D01388B}" type="datetimeFigureOut">
               <a:rPr lang="en-US" smtClean="0"/>
-              <a:t>22/06/16</a:t>
+              <a:t>04/07/16</a:t>
             </a:fld>
             <a:endParaRPr lang="en-US"/>
           </a:p>
@@ -896,7 +897,7 @@
           <a:p>
             <a:fld id="{00592D2C-3B4C-5C46-9C62-0AE83D01388B}" type="datetimeFigureOut">
               <a:rPr lang="en-US" smtClean="0"/>
-              <a:t>22/06/16</a:t>
+              <a:t>04/07/16</a:t>
             </a:fld>
             <a:endParaRPr lang="en-US"/>
           </a:p>
@@ -1076,7 +1077,7 @@
           <a:p>
             <a:fld id="{00592D2C-3B4C-5C46-9C62-0AE83D01388B}" type="datetimeFigureOut">
               <a:rPr lang="en-US" smtClean="0"/>
-              <a:t>22/06/16</a:t>
+              <a:t>04/07/16</a:t>
             </a:fld>
             <a:endParaRPr lang="en-US"/>
           </a:p>
@@ -1246,7 +1247,7 @@
           <a:p>
             <a:fld id="{00592D2C-3B4C-5C46-9C62-0AE83D01388B}" type="datetimeFigureOut">
               <a:rPr lang="en-US" smtClean="0"/>
-              <a:t>22/06/16</a:t>
+              <a:t>04/07/16</a:t>
             </a:fld>
             <a:endParaRPr lang="en-US"/>
           </a:p>
@@ -1492,7 +1493,7 @@
           <a:p>
             <a:fld id="{00592D2C-3B4C-5C46-9C62-0AE83D01388B}" type="datetimeFigureOut">
               <a:rPr lang="en-US" smtClean="0"/>
-              <a:t>22/06/16</a:t>
+              <a:t>04/07/16</a:t>
             </a:fld>
             <a:endParaRPr lang="en-US"/>
           </a:p>
@@ -1780,7 +1781,7 @@
           <a:p>
             <a:fld id="{00592D2C-3B4C-5C46-9C62-0AE83D01388B}" type="datetimeFigureOut">
               <a:rPr lang="en-US" smtClean="0"/>
-              <a:t>22/06/16</a:t>
+              <a:t>04/07/16</a:t>
             </a:fld>
             <a:endParaRPr lang="en-US"/>
           </a:p>
@@ -2202,7 +2203,7 @@
           <a:p>
             <a:fld id="{00592D2C-3B4C-5C46-9C62-0AE83D01388B}" type="datetimeFigureOut">
               <a:rPr lang="en-US" smtClean="0"/>
-              <a:t>22/06/16</a:t>
+              <a:t>04/07/16</a:t>
             </a:fld>
             <a:endParaRPr lang="en-US"/>
           </a:p>
@@ -2320,7 +2321,7 @@
           <a:p>
             <a:fld id="{00592D2C-3B4C-5C46-9C62-0AE83D01388B}" type="datetimeFigureOut">
               <a:rPr lang="en-US" smtClean="0"/>
-              <a:t>22/06/16</a:t>
+              <a:t>04/07/16</a:t>
             </a:fld>
             <a:endParaRPr lang="en-US"/>
           </a:p>
@@ -2415,7 +2416,7 @@
           <a:p>
             <a:fld id="{00592D2C-3B4C-5C46-9C62-0AE83D01388B}" type="datetimeFigureOut">
               <a:rPr lang="en-US" smtClean="0"/>
-              <a:t>22/06/16</a:t>
+              <a:t>04/07/16</a:t>
             </a:fld>
             <a:endParaRPr lang="en-US"/>
           </a:p>
@@ -2692,7 +2693,7 @@
           <a:p>
             <a:fld id="{00592D2C-3B4C-5C46-9C62-0AE83D01388B}" type="datetimeFigureOut">
               <a:rPr lang="en-US" smtClean="0"/>
-              <a:t>22/06/16</a:t>
+              <a:t>04/07/16</a:t>
             </a:fld>
             <a:endParaRPr lang="en-US"/>
           </a:p>
@@ -2945,7 +2946,7 @@
           <a:p>
             <a:fld id="{00592D2C-3B4C-5C46-9C62-0AE83D01388B}" type="datetimeFigureOut">
               <a:rPr lang="en-US" smtClean="0"/>
-              <a:t>22/06/16</a:t>
+              <a:t>04/07/16</a:t>
             </a:fld>
             <a:endParaRPr lang="en-US"/>
           </a:p>
@@ -3158,7 +3159,7 @@
           <a:p>
             <a:fld id="{00592D2C-3B4C-5C46-9C62-0AE83D01388B}" type="datetimeFigureOut">
               <a:rPr lang="en-US" smtClean="0"/>
-              <a:t>22/06/16</a:t>
+              <a:t>04/07/16</a:t>
             </a:fld>
             <a:endParaRPr lang="en-US"/>
           </a:p>
@@ -5784,6 +5785,1515 @@
     <p:extLst>
       <p:ext uri="{BB962C8B-B14F-4D97-AF65-F5344CB8AC3E}">
         <p14:creationId xmlns:p14="http://schemas.microsoft.com/office/powerpoint/2010/main" val="4178675475"/>
+      </p:ext>
+    </p:extLst>
+  </p:cSld>
+  <p:clrMapOvr>
+    <a:masterClrMapping/>
+  </p:clrMapOvr>
+</p:sld>
+</file>
+
+<file path=ppt/slides/slide3.xml><?xml version="1.0" encoding="utf-8"?>
+<p:sld xmlns:a="http://schemas.openxmlformats.org/drawingml/2006/main" xmlns:r="http://schemas.openxmlformats.org/officeDocument/2006/relationships" xmlns:p="http://schemas.openxmlformats.org/presentationml/2006/main">
+  <p:cSld>
+    <p:spTree>
+      <p:nvGrpSpPr>
+        <p:cNvPr id="1" name=""/>
+        <p:cNvGrpSpPr/>
+        <p:nvPr/>
+      </p:nvGrpSpPr>
+      <p:grpSpPr>
+        <a:xfrm>
+          <a:off x="0" y="0"/>
+          <a:ext cx="0" cy="0"/>
+          <a:chOff x="0" y="0"/>
+          <a:chExt cx="0" cy="0"/>
+        </a:xfrm>
+      </p:grpSpPr>
+      <p:sp>
+        <p:nvSpPr>
+          <p:cNvPr id="4" name="Rectangle 3"/>
+          <p:cNvSpPr/>
+          <p:nvPr/>
+        </p:nvSpPr>
+        <p:spPr>
+          <a:xfrm>
+            <a:off x="1474784" y="1256219"/>
+            <a:ext cx="3584544" cy="1795580"/>
+          </a:xfrm>
+          <a:prstGeom prst="rect">
+            <a:avLst/>
+          </a:prstGeom>
+          <a:noFill/>
+          <a:ln w="12700" cmpd="sng">
+            <a:solidFill>
+              <a:srgbClr val="4F81BD"/>
+            </a:solidFill>
+          </a:ln>
+          <a:effectLst/>
+        </p:spPr>
+        <p:style>
+          <a:lnRef idx="1">
+            <a:schemeClr val="accent1"/>
+          </a:lnRef>
+          <a:fillRef idx="3">
+            <a:schemeClr val="accent1"/>
+          </a:fillRef>
+          <a:effectRef idx="2">
+            <a:schemeClr val="accent1"/>
+          </a:effectRef>
+          <a:fontRef idx="minor">
+            <a:schemeClr val="lt1"/>
+          </a:fontRef>
+        </p:style>
+        <p:txBody>
+          <a:bodyPr rtlCol="0" anchor="ctr"/>
+          <a:lstStyle/>
+          <a:p>
+            <a:pPr algn="ctr"/>
+            <a:endParaRPr lang="en-US"/>
+          </a:p>
+        </p:txBody>
+      </p:sp>
+      <p:sp>
+        <p:nvSpPr>
+          <p:cNvPr id="5" name="Rectangle 4"/>
+          <p:cNvSpPr/>
+          <p:nvPr/>
+        </p:nvSpPr>
+        <p:spPr>
+          <a:xfrm>
+            <a:off x="5059327" y="1256219"/>
+            <a:ext cx="3584544" cy="1795580"/>
+          </a:xfrm>
+          <a:prstGeom prst="rect">
+            <a:avLst/>
+          </a:prstGeom>
+          <a:noFill/>
+          <a:ln w="12700" cmpd="sng">
+            <a:solidFill>
+              <a:srgbClr val="4F81BD"/>
+            </a:solidFill>
+          </a:ln>
+          <a:effectLst/>
+        </p:spPr>
+        <p:style>
+          <a:lnRef idx="1">
+            <a:schemeClr val="accent1"/>
+          </a:lnRef>
+          <a:fillRef idx="3">
+            <a:schemeClr val="accent1"/>
+          </a:fillRef>
+          <a:effectRef idx="2">
+            <a:schemeClr val="accent1"/>
+          </a:effectRef>
+          <a:fontRef idx="minor">
+            <a:schemeClr val="lt1"/>
+          </a:fontRef>
+        </p:style>
+        <p:txBody>
+          <a:bodyPr rtlCol="0" anchor="ctr"/>
+          <a:lstStyle/>
+          <a:p>
+            <a:pPr algn="ctr"/>
+            <a:endParaRPr lang="en-US"/>
+          </a:p>
+        </p:txBody>
+      </p:sp>
+      <p:sp>
+        <p:nvSpPr>
+          <p:cNvPr id="6" name="Rectangle 5"/>
+          <p:cNvSpPr/>
+          <p:nvPr/>
+        </p:nvSpPr>
+        <p:spPr>
+          <a:xfrm>
+            <a:off x="1474783" y="3051799"/>
+            <a:ext cx="3584544" cy="1795580"/>
+          </a:xfrm>
+          <a:prstGeom prst="rect">
+            <a:avLst/>
+          </a:prstGeom>
+          <a:noFill/>
+          <a:ln w="12700" cmpd="sng">
+            <a:solidFill>
+              <a:srgbClr val="4F81BD"/>
+            </a:solidFill>
+          </a:ln>
+          <a:effectLst/>
+        </p:spPr>
+        <p:style>
+          <a:lnRef idx="1">
+            <a:schemeClr val="accent1"/>
+          </a:lnRef>
+          <a:fillRef idx="3">
+            <a:schemeClr val="accent1"/>
+          </a:fillRef>
+          <a:effectRef idx="2">
+            <a:schemeClr val="accent1"/>
+          </a:effectRef>
+          <a:fontRef idx="minor">
+            <a:schemeClr val="lt1"/>
+          </a:fontRef>
+        </p:style>
+        <p:txBody>
+          <a:bodyPr rtlCol="0" anchor="ctr"/>
+          <a:lstStyle/>
+          <a:p>
+            <a:pPr algn="ctr"/>
+            <a:endParaRPr lang="en-US"/>
+          </a:p>
+        </p:txBody>
+      </p:sp>
+      <p:sp>
+        <p:nvSpPr>
+          <p:cNvPr id="7" name="Rectangle 6"/>
+          <p:cNvSpPr/>
+          <p:nvPr/>
+        </p:nvSpPr>
+        <p:spPr>
+          <a:xfrm>
+            <a:off x="5059326" y="3051799"/>
+            <a:ext cx="3584544" cy="1795580"/>
+          </a:xfrm>
+          <a:prstGeom prst="rect">
+            <a:avLst/>
+          </a:prstGeom>
+          <a:noFill/>
+          <a:ln w="12700" cmpd="sng">
+            <a:solidFill>
+              <a:srgbClr val="4F81BD"/>
+            </a:solidFill>
+          </a:ln>
+          <a:effectLst/>
+        </p:spPr>
+        <p:style>
+          <a:lnRef idx="1">
+            <a:schemeClr val="accent1"/>
+          </a:lnRef>
+          <a:fillRef idx="3">
+            <a:schemeClr val="accent1"/>
+          </a:fillRef>
+          <a:effectRef idx="2">
+            <a:schemeClr val="accent1"/>
+          </a:effectRef>
+          <a:fontRef idx="minor">
+            <a:schemeClr val="lt1"/>
+          </a:fontRef>
+        </p:style>
+        <p:txBody>
+          <a:bodyPr rtlCol="0" anchor="ctr"/>
+          <a:lstStyle/>
+          <a:p>
+            <a:pPr algn="ctr"/>
+            <a:endParaRPr lang="en-US"/>
+          </a:p>
+        </p:txBody>
+      </p:sp>
+      <p:cxnSp>
+        <p:nvCxnSpPr>
+          <p:cNvPr id="8" name="Straight Connector 7"/>
+          <p:cNvCxnSpPr>
+            <a:stCxn id="4" idx="0"/>
+            <a:endCxn id="6" idx="0"/>
+          </p:cNvCxnSpPr>
+          <p:nvPr/>
+        </p:nvCxnSpPr>
+        <p:spPr>
+          <a:xfrm flipH="1">
+            <a:off x="3267055" y="1256219"/>
+            <a:ext cx="1" cy="1795580"/>
+          </a:xfrm>
+          <a:prstGeom prst="line">
+            <a:avLst/>
+          </a:prstGeom>
+          <a:ln w="12700" cmpd="sng"/>
+          <a:effectLst/>
+        </p:spPr>
+        <p:style>
+          <a:lnRef idx="2">
+            <a:schemeClr val="accent1"/>
+          </a:lnRef>
+          <a:fillRef idx="0">
+            <a:schemeClr val="accent1"/>
+          </a:fillRef>
+          <a:effectRef idx="1">
+            <a:schemeClr val="accent1"/>
+          </a:effectRef>
+          <a:fontRef idx="minor">
+            <a:schemeClr val="tx1"/>
+          </a:fontRef>
+        </p:style>
+      </p:cxnSp>
+      <p:cxnSp>
+        <p:nvCxnSpPr>
+          <p:cNvPr id="9" name="Straight Connector 8"/>
+          <p:cNvCxnSpPr>
+            <a:stCxn id="5" idx="1"/>
+            <a:endCxn id="4" idx="1"/>
+          </p:cNvCxnSpPr>
+          <p:nvPr/>
+        </p:nvCxnSpPr>
+        <p:spPr>
+          <a:xfrm flipH="1">
+            <a:off x="1474784" y="2154009"/>
+            <a:ext cx="3584543" cy="0"/>
+          </a:xfrm>
+          <a:prstGeom prst="line">
+            <a:avLst/>
+          </a:prstGeom>
+          <a:ln w="12700" cmpd="sng"/>
+          <a:effectLst/>
+        </p:spPr>
+        <p:style>
+          <a:lnRef idx="2">
+            <a:schemeClr val="accent1"/>
+          </a:lnRef>
+          <a:fillRef idx="0">
+            <a:schemeClr val="accent1"/>
+          </a:fillRef>
+          <a:effectRef idx="1">
+            <a:schemeClr val="accent1"/>
+          </a:effectRef>
+          <a:fontRef idx="minor">
+            <a:schemeClr val="tx1"/>
+          </a:fontRef>
+        </p:style>
+      </p:cxnSp>
+      <p:cxnSp>
+        <p:nvCxnSpPr>
+          <p:cNvPr id="10" name="Straight Connector 9"/>
+          <p:cNvCxnSpPr>
+            <a:stCxn id="5" idx="0"/>
+            <a:endCxn id="5" idx="2"/>
+          </p:cNvCxnSpPr>
+          <p:nvPr/>
+        </p:nvCxnSpPr>
+        <p:spPr>
+          <a:xfrm>
+            <a:off x="6851599" y="1256219"/>
+            <a:ext cx="0" cy="1795580"/>
+          </a:xfrm>
+          <a:prstGeom prst="line">
+            <a:avLst/>
+          </a:prstGeom>
+          <a:ln w="12700" cmpd="sng"/>
+          <a:effectLst/>
+        </p:spPr>
+        <p:style>
+          <a:lnRef idx="2">
+            <a:schemeClr val="accent1"/>
+          </a:lnRef>
+          <a:fillRef idx="0">
+            <a:schemeClr val="accent1"/>
+          </a:fillRef>
+          <a:effectRef idx="1">
+            <a:schemeClr val="accent1"/>
+          </a:effectRef>
+          <a:fontRef idx="minor">
+            <a:schemeClr val="tx1"/>
+          </a:fontRef>
+        </p:style>
+      </p:cxnSp>
+      <p:cxnSp>
+        <p:nvCxnSpPr>
+          <p:cNvPr id="11" name="Straight Connector 10"/>
+          <p:cNvCxnSpPr>
+            <a:stCxn id="5" idx="1"/>
+            <a:endCxn id="5" idx="3"/>
+          </p:cNvCxnSpPr>
+          <p:nvPr/>
+        </p:nvCxnSpPr>
+        <p:spPr>
+          <a:xfrm>
+            <a:off x="5059327" y="2154009"/>
+            <a:ext cx="3584544" cy="0"/>
+          </a:xfrm>
+          <a:prstGeom prst="line">
+            <a:avLst/>
+          </a:prstGeom>
+          <a:ln w="12700" cmpd="sng"/>
+          <a:effectLst/>
+        </p:spPr>
+        <p:style>
+          <a:lnRef idx="2">
+            <a:schemeClr val="accent1"/>
+          </a:lnRef>
+          <a:fillRef idx="0">
+            <a:schemeClr val="accent1"/>
+          </a:fillRef>
+          <a:effectRef idx="1">
+            <a:schemeClr val="accent1"/>
+          </a:effectRef>
+          <a:fontRef idx="minor">
+            <a:schemeClr val="tx1"/>
+          </a:fontRef>
+        </p:style>
+      </p:cxnSp>
+      <p:cxnSp>
+        <p:nvCxnSpPr>
+          <p:cNvPr id="12" name="Straight Connector 11"/>
+          <p:cNvCxnSpPr>
+            <a:stCxn id="5" idx="2"/>
+            <a:endCxn id="7" idx="2"/>
+          </p:cNvCxnSpPr>
+          <p:nvPr/>
+        </p:nvCxnSpPr>
+        <p:spPr>
+          <a:xfrm flipH="1">
+            <a:off x="6851598" y="3051799"/>
+            <a:ext cx="1" cy="1795580"/>
+          </a:xfrm>
+          <a:prstGeom prst="line">
+            <a:avLst/>
+          </a:prstGeom>
+          <a:ln w="12700" cmpd="sng"/>
+          <a:effectLst/>
+        </p:spPr>
+        <p:style>
+          <a:lnRef idx="2">
+            <a:schemeClr val="accent1"/>
+          </a:lnRef>
+          <a:fillRef idx="0">
+            <a:schemeClr val="accent1"/>
+          </a:fillRef>
+          <a:effectRef idx="1">
+            <a:schemeClr val="accent1"/>
+          </a:effectRef>
+          <a:fontRef idx="minor">
+            <a:schemeClr val="tx1"/>
+          </a:fontRef>
+        </p:style>
+      </p:cxnSp>
+      <p:cxnSp>
+        <p:nvCxnSpPr>
+          <p:cNvPr id="13" name="Straight Connector 12"/>
+          <p:cNvCxnSpPr>
+            <a:stCxn id="7" idx="1"/>
+            <a:endCxn id="7" idx="3"/>
+          </p:cNvCxnSpPr>
+          <p:nvPr/>
+        </p:nvCxnSpPr>
+        <p:spPr>
+          <a:xfrm>
+            <a:off x="5059326" y="3949589"/>
+            <a:ext cx="3584544" cy="0"/>
+          </a:xfrm>
+          <a:prstGeom prst="line">
+            <a:avLst/>
+          </a:prstGeom>
+          <a:ln w="12700" cmpd="sng"/>
+          <a:effectLst/>
+        </p:spPr>
+        <p:style>
+          <a:lnRef idx="2">
+            <a:schemeClr val="accent1"/>
+          </a:lnRef>
+          <a:fillRef idx="0">
+            <a:schemeClr val="accent1"/>
+          </a:fillRef>
+          <a:effectRef idx="1">
+            <a:schemeClr val="accent1"/>
+          </a:effectRef>
+          <a:fontRef idx="minor">
+            <a:schemeClr val="tx1"/>
+          </a:fontRef>
+        </p:style>
+      </p:cxnSp>
+      <p:cxnSp>
+        <p:nvCxnSpPr>
+          <p:cNvPr id="14" name="Straight Connector 13"/>
+          <p:cNvCxnSpPr>
+            <a:stCxn id="7" idx="1"/>
+            <a:endCxn id="6" idx="1"/>
+          </p:cNvCxnSpPr>
+          <p:nvPr/>
+        </p:nvCxnSpPr>
+        <p:spPr>
+          <a:xfrm flipH="1">
+            <a:off x="1474783" y="3949589"/>
+            <a:ext cx="3584543" cy="0"/>
+          </a:xfrm>
+          <a:prstGeom prst="line">
+            <a:avLst/>
+          </a:prstGeom>
+          <a:ln w="12700" cmpd="sng"/>
+          <a:effectLst/>
+        </p:spPr>
+        <p:style>
+          <a:lnRef idx="2">
+            <a:schemeClr val="accent1"/>
+          </a:lnRef>
+          <a:fillRef idx="0">
+            <a:schemeClr val="accent1"/>
+          </a:fillRef>
+          <a:effectRef idx="1">
+            <a:schemeClr val="accent1"/>
+          </a:effectRef>
+          <a:fontRef idx="minor">
+            <a:schemeClr val="tx1"/>
+          </a:fontRef>
+        </p:style>
+      </p:cxnSp>
+      <p:cxnSp>
+        <p:nvCxnSpPr>
+          <p:cNvPr id="15" name="Straight Connector 14"/>
+          <p:cNvCxnSpPr>
+            <a:stCxn id="6" idx="2"/>
+          </p:cNvCxnSpPr>
+          <p:nvPr/>
+        </p:nvCxnSpPr>
+        <p:spPr>
+          <a:xfrm flipV="1">
+            <a:off x="3267055" y="3051799"/>
+            <a:ext cx="0" cy="1795580"/>
+          </a:xfrm>
+          <a:prstGeom prst="line">
+            <a:avLst/>
+          </a:prstGeom>
+          <a:ln w="12700" cmpd="sng"/>
+          <a:effectLst/>
+        </p:spPr>
+        <p:style>
+          <a:lnRef idx="2">
+            <a:schemeClr val="accent1"/>
+          </a:lnRef>
+          <a:fillRef idx="0">
+            <a:schemeClr val="accent1"/>
+          </a:fillRef>
+          <a:effectRef idx="1">
+            <a:schemeClr val="accent1"/>
+          </a:effectRef>
+          <a:fontRef idx="minor">
+            <a:schemeClr val="tx1"/>
+          </a:fontRef>
+        </p:style>
+      </p:cxnSp>
+      <p:sp>
+        <p:nvSpPr>
+          <p:cNvPr id="16" name="TextBox 15"/>
+          <p:cNvSpPr txBox="1"/>
+          <p:nvPr/>
+        </p:nvSpPr>
+        <p:spPr>
+          <a:xfrm>
+            <a:off x="1474784" y="4478047"/>
+            <a:ext cx="665655" cy="369332"/>
+          </a:xfrm>
+          <a:prstGeom prst="rect">
+            <a:avLst/>
+          </a:prstGeom>
+          <a:noFill/>
+        </p:spPr>
+        <p:txBody>
+          <a:bodyPr wrap="square" rtlCol="0">
+            <a:spAutoFit/>
+          </a:bodyPr>
+          <a:lstStyle/>
+          <a:p>
+            <a:r>
+              <a:rPr lang="en-US" dirty="0" smtClean="0"/>
+              <a:t>0000</a:t>
+            </a:r>
+            <a:endParaRPr lang="en-US" dirty="0"/>
+          </a:p>
+        </p:txBody>
+      </p:sp>
+      <p:sp>
+        <p:nvSpPr>
+          <p:cNvPr id="17" name="TextBox 16"/>
+          <p:cNvSpPr txBox="1"/>
+          <p:nvPr/>
+        </p:nvSpPr>
+        <p:spPr>
+          <a:xfrm>
+            <a:off x="3267055" y="4478047"/>
+            <a:ext cx="665655" cy="369332"/>
+          </a:xfrm>
+          <a:prstGeom prst="rect">
+            <a:avLst/>
+          </a:prstGeom>
+          <a:noFill/>
+        </p:spPr>
+        <p:txBody>
+          <a:bodyPr wrap="square" rtlCol="0">
+            <a:spAutoFit/>
+          </a:bodyPr>
+          <a:lstStyle/>
+          <a:p>
+            <a:r>
+              <a:rPr lang="en-US" dirty="0" smtClean="0"/>
+              <a:t>0010</a:t>
+            </a:r>
+            <a:endParaRPr lang="en-US" dirty="0"/>
+          </a:p>
+        </p:txBody>
+      </p:sp>
+      <p:sp>
+        <p:nvSpPr>
+          <p:cNvPr id="18" name="TextBox 17"/>
+          <p:cNvSpPr txBox="1"/>
+          <p:nvPr/>
+        </p:nvSpPr>
+        <p:spPr>
+          <a:xfrm>
+            <a:off x="1474783" y="3580257"/>
+            <a:ext cx="665655" cy="369332"/>
+          </a:xfrm>
+          <a:prstGeom prst="rect">
+            <a:avLst/>
+          </a:prstGeom>
+          <a:noFill/>
+        </p:spPr>
+        <p:txBody>
+          <a:bodyPr wrap="square" rtlCol="0">
+            <a:spAutoFit/>
+          </a:bodyPr>
+          <a:lstStyle/>
+          <a:p>
+            <a:r>
+              <a:rPr lang="en-US" dirty="0" smtClean="0"/>
+              <a:t>0001</a:t>
+            </a:r>
+            <a:endParaRPr lang="en-US" dirty="0"/>
+          </a:p>
+        </p:txBody>
+      </p:sp>
+      <p:sp>
+        <p:nvSpPr>
+          <p:cNvPr id="19" name="TextBox 18"/>
+          <p:cNvSpPr txBox="1"/>
+          <p:nvPr/>
+        </p:nvSpPr>
+        <p:spPr>
+          <a:xfrm>
+            <a:off x="3267055" y="3591034"/>
+            <a:ext cx="665655" cy="369332"/>
+          </a:xfrm>
+          <a:prstGeom prst="rect">
+            <a:avLst/>
+          </a:prstGeom>
+          <a:noFill/>
+        </p:spPr>
+        <p:txBody>
+          <a:bodyPr wrap="square" rtlCol="0">
+            <a:spAutoFit/>
+          </a:bodyPr>
+          <a:lstStyle/>
+          <a:p>
+            <a:r>
+              <a:rPr lang="en-US" dirty="0" smtClean="0"/>
+              <a:t>0011</a:t>
+            </a:r>
+            <a:endParaRPr lang="en-US" dirty="0"/>
+          </a:p>
+        </p:txBody>
+      </p:sp>
+      <p:sp>
+        <p:nvSpPr>
+          <p:cNvPr id="20" name="TextBox 19"/>
+          <p:cNvSpPr txBox="1"/>
+          <p:nvPr/>
+        </p:nvSpPr>
+        <p:spPr>
+          <a:xfrm>
+            <a:off x="5059326" y="4478047"/>
+            <a:ext cx="665655" cy="369332"/>
+          </a:xfrm>
+          <a:prstGeom prst="rect">
+            <a:avLst/>
+          </a:prstGeom>
+          <a:noFill/>
+        </p:spPr>
+        <p:txBody>
+          <a:bodyPr wrap="square" rtlCol="0">
+            <a:spAutoFit/>
+          </a:bodyPr>
+          <a:lstStyle/>
+          <a:p>
+            <a:r>
+              <a:rPr lang="en-US" dirty="0" smtClean="0"/>
+              <a:t>1000</a:t>
+            </a:r>
+            <a:endParaRPr lang="en-US" dirty="0"/>
+          </a:p>
+        </p:txBody>
+      </p:sp>
+      <p:sp>
+        <p:nvSpPr>
+          <p:cNvPr id="21" name="TextBox 20"/>
+          <p:cNvSpPr txBox="1"/>
+          <p:nvPr/>
+        </p:nvSpPr>
+        <p:spPr>
+          <a:xfrm>
+            <a:off x="5059326" y="3580257"/>
+            <a:ext cx="665655" cy="369332"/>
+          </a:xfrm>
+          <a:prstGeom prst="rect">
+            <a:avLst/>
+          </a:prstGeom>
+          <a:noFill/>
+        </p:spPr>
+        <p:txBody>
+          <a:bodyPr wrap="square" rtlCol="0">
+            <a:spAutoFit/>
+          </a:bodyPr>
+          <a:lstStyle/>
+          <a:p>
+            <a:r>
+              <a:rPr lang="en-US" dirty="0" smtClean="0"/>
+              <a:t>1001</a:t>
+            </a:r>
+            <a:endParaRPr lang="en-US" dirty="0"/>
+          </a:p>
+        </p:txBody>
+      </p:sp>
+      <p:sp>
+        <p:nvSpPr>
+          <p:cNvPr id="22" name="TextBox 21"/>
+          <p:cNvSpPr txBox="1"/>
+          <p:nvPr/>
+        </p:nvSpPr>
+        <p:spPr>
+          <a:xfrm>
+            <a:off x="6837416" y="3612428"/>
+            <a:ext cx="665655" cy="369332"/>
+          </a:xfrm>
+          <a:prstGeom prst="rect">
+            <a:avLst/>
+          </a:prstGeom>
+          <a:noFill/>
+        </p:spPr>
+        <p:txBody>
+          <a:bodyPr wrap="square" rtlCol="0">
+            <a:spAutoFit/>
+          </a:bodyPr>
+          <a:lstStyle/>
+          <a:p>
+            <a:r>
+              <a:rPr lang="en-US" dirty="0" smtClean="0"/>
+              <a:t>1011</a:t>
+            </a:r>
+            <a:endParaRPr lang="en-US" dirty="0"/>
+          </a:p>
+        </p:txBody>
+      </p:sp>
+      <p:sp>
+        <p:nvSpPr>
+          <p:cNvPr id="23" name="TextBox 22"/>
+          <p:cNvSpPr txBox="1"/>
+          <p:nvPr/>
+        </p:nvSpPr>
+        <p:spPr>
+          <a:xfrm>
+            <a:off x="6837416" y="4478047"/>
+            <a:ext cx="665655" cy="369332"/>
+          </a:xfrm>
+          <a:prstGeom prst="rect">
+            <a:avLst/>
+          </a:prstGeom>
+          <a:noFill/>
+        </p:spPr>
+        <p:txBody>
+          <a:bodyPr wrap="square" rtlCol="0">
+            <a:spAutoFit/>
+          </a:bodyPr>
+          <a:lstStyle/>
+          <a:p>
+            <a:r>
+              <a:rPr lang="en-US" dirty="0" smtClean="0"/>
+              <a:t>1010</a:t>
+            </a:r>
+            <a:endParaRPr lang="en-US" dirty="0"/>
+          </a:p>
+        </p:txBody>
+      </p:sp>
+      <p:sp>
+        <p:nvSpPr>
+          <p:cNvPr id="24" name="TextBox 23"/>
+          <p:cNvSpPr txBox="1"/>
+          <p:nvPr/>
+        </p:nvSpPr>
+        <p:spPr>
+          <a:xfrm>
+            <a:off x="1469360" y="2682467"/>
+            <a:ext cx="665655" cy="369332"/>
+          </a:xfrm>
+          <a:prstGeom prst="rect">
+            <a:avLst/>
+          </a:prstGeom>
+          <a:noFill/>
+        </p:spPr>
+        <p:txBody>
+          <a:bodyPr wrap="square" rtlCol="0">
+            <a:spAutoFit/>
+          </a:bodyPr>
+          <a:lstStyle/>
+          <a:p>
+            <a:r>
+              <a:rPr lang="en-US" dirty="0" smtClean="0"/>
+              <a:t>0100</a:t>
+            </a:r>
+            <a:endParaRPr lang="en-US" dirty="0"/>
+          </a:p>
+        </p:txBody>
+      </p:sp>
+      <p:sp>
+        <p:nvSpPr>
+          <p:cNvPr id="25" name="TextBox 24"/>
+          <p:cNvSpPr txBox="1"/>
+          <p:nvPr/>
+        </p:nvSpPr>
+        <p:spPr>
+          <a:xfrm>
+            <a:off x="3261632" y="2688362"/>
+            <a:ext cx="665655" cy="369332"/>
+          </a:xfrm>
+          <a:prstGeom prst="rect">
+            <a:avLst/>
+          </a:prstGeom>
+          <a:noFill/>
+        </p:spPr>
+        <p:txBody>
+          <a:bodyPr wrap="square" rtlCol="0">
+            <a:spAutoFit/>
+          </a:bodyPr>
+          <a:lstStyle/>
+          <a:p>
+            <a:r>
+              <a:rPr lang="en-US" dirty="0" smtClean="0"/>
+              <a:t>0110</a:t>
+            </a:r>
+            <a:endParaRPr lang="en-US" dirty="0"/>
+          </a:p>
+        </p:txBody>
+      </p:sp>
+      <p:sp>
+        <p:nvSpPr>
+          <p:cNvPr id="26" name="TextBox 25"/>
+          <p:cNvSpPr txBox="1"/>
+          <p:nvPr/>
+        </p:nvSpPr>
+        <p:spPr>
+          <a:xfrm>
+            <a:off x="5059328" y="2688362"/>
+            <a:ext cx="665655" cy="369332"/>
+          </a:xfrm>
+          <a:prstGeom prst="rect">
+            <a:avLst/>
+          </a:prstGeom>
+          <a:noFill/>
+        </p:spPr>
+        <p:txBody>
+          <a:bodyPr wrap="square" rtlCol="0">
+            <a:spAutoFit/>
+          </a:bodyPr>
+          <a:lstStyle/>
+          <a:p>
+            <a:r>
+              <a:rPr lang="en-US" dirty="0" smtClean="0"/>
+              <a:t>1100</a:t>
+            </a:r>
+            <a:endParaRPr lang="en-US" dirty="0"/>
+          </a:p>
+        </p:txBody>
+      </p:sp>
+      <p:sp>
+        <p:nvSpPr>
+          <p:cNvPr id="27" name="TextBox 26"/>
+          <p:cNvSpPr txBox="1"/>
+          <p:nvPr/>
+        </p:nvSpPr>
+        <p:spPr>
+          <a:xfrm>
+            <a:off x="6851598" y="2679604"/>
+            <a:ext cx="665655" cy="369332"/>
+          </a:xfrm>
+          <a:prstGeom prst="rect">
+            <a:avLst/>
+          </a:prstGeom>
+          <a:noFill/>
+        </p:spPr>
+        <p:txBody>
+          <a:bodyPr wrap="square" rtlCol="0">
+            <a:spAutoFit/>
+          </a:bodyPr>
+          <a:lstStyle/>
+          <a:p>
+            <a:r>
+              <a:rPr lang="en-US" dirty="0" smtClean="0"/>
+              <a:t>1110</a:t>
+            </a:r>
+            <a:endParaRPr lang="en-US" dirty="0"/>
+          </a:p>
+        </p:txBody>
+      </p:sp>
+      <p:sp>
+        <p:nvSpPr>
+          <p:cNvPr id="28" name="TextBox 27"/>
+          <p:cNvSpPr txBox="1"/>
+          <p:nvPr/>
+        </p:nvSpPr>
+        <p:spPr>
+          <a:xfrm>
+            <a:off x="1469360" y="1773055"/>
+            <a:ext cx="665655" cy="369332"/>
+          </a:xfrm>
+          <a:prstGeom prst="rect">
+            <a:avLst/>
+          </a:prstGeom>
+          <a:noFill/>
+        </p:spPr>
+        <p:txBody>
+          <a:bodyPr wrap="square" rtlCol="0">
+            <a:spAutoFit/>
+          </a:bodyPr>
+          <a:lstStyle/>
+          <a:p>
+            <a:r>
+              <a:rPr lang="en-US" dirty="0" smtClean="0"/>
+              <a:t>0101</a:t>
+            </a:r>
+            <a:endParaRPr lang="en-US" dirty="0"/>
+          </a:p>
+        </p:txBody>
+      </p:sp>
+      <p:sp>
+        <p:nvSpPr>
+          <p:cNvPr id="29" name="TextBox 28"/>
+          <p:cNvSpPr txBox="1"/>
+          <p:nvPr/>
+        </p:nvSpPr>
+        <p:spPr>
+          <a:xfrm>
+            <a:off x="3267056" y="1773055"/>
+            <a:ext cx="665655" cy="369332"/>
+          </a:xfrm>
+          <a:prstGeom prst="rect">
+            <a:avLst/>
+          </a:prstGeom>
+          <a:noFill/>
+        </p:spPr>
+        <p:txBody>
+          <a:bodyPr wrap="square" rtlCol="0">
+            <a:spAutoFit/>
+          </a:bodyPr>
+          <a:lstStyle/>
+          <a:p>
+            <a:r>
+              <a:rPr lang="en-US" dirty="0" smtClean="0"/>
+              <a:t>0111</a:t>
+            </a:r>
+            <a:endParaRPr lang="en-US" dirty="0"/>
+          </a:p>
+        </p:txBody>
+      </p:sp>
+      <p:sp>
+        <p:nvSpPr>
+          <p:cNvPr id="30" name="TextBox 29"/>
+          <p:cNvSpPr txBox="1"/>
+          <p:nvPr/>
+        </p:nvSpPr>
+        <p:spPr>
+          <a:xfrm>
+            <a:off x="5059326" y="1773055"/>
+            <a:ext cx="665655" cy="369332"/>
+          </a:xfrm>
+          <a:prstGeom prst="rect">
+            <a:avLst/>
+          </a:prstGeom>
+          <a:noFill/>
+        </p:spPr>
+        <p:txBody>
+          <a:bodyPr wrap="square" rtlCol="0">
+            <a:spAutoFit/>
+          </a:bodyPr>
+          <a:lstStyle/>
+          <a:p>
+            <a:r>
+              <a:rPr lang="en-US" dirty="0" smtClean="0"/>
+              <a:t>1101</a:t>
+            </a:r>
+            <a:endParaRPr lang="en-US" dirty="0"/>
+          </a:p>
+        </p:txBody>
+      </p:sp>
+      <p:sp>
+        <p:nvSpPr>
+          <p:cNvPr id="31" name="TextBox 30"/>
+          <p:cNvSpPr txBox="1"/>
+          <p:nvPr/>
+        </p:nvSpPr>
+        <p:spPr>
+          <a:xfrm>
+            <a:off x="6851598" y="1790572"/>
+            <a:ext cx="665655" cy="369332"/>
+          </a:xfrm>
+          <a:prstGeom prst="rect">
+            <a:avLst/>
+          </a:prstGeom>
+          <a:noFill/>
+        </p:spPr>
+        <p:txBody>
+          <a:bodyPr wrap="square" rtlCol="0">
+            <a:spAutoFit/>
+          </a:bodyPr>
+          <a:lstStyle/>
+          <a:p>
+            <a:r>
+              <a:rPr lang="en-US" dirty="0" smtClean="0"/>
+              <a:t>1111</a:t>
+            </a:r>
+            <a:endParaRPr lang="en-US" dirty="0"/>
+          </a:p>
+        </p:txBody>
+      </p:sp>
+      <p:sp>
+        <p:nvSpPr>
+          <p:cNvPr id="32" name="TextBox 31"/>
+          <p:cNvSpPr txBox="1"/>
+          <p:nvPr/>
+        </p:nvSpPr>
+        <p:spPr>
+          <a:xfrm>
+            <a:off x="1474784" y="1256219"/>
+            <a:ext cx="496777" cy="369332"/>
+          </a:xfrm>
+          <a:prstGeom prst="rect">
+            <a:avLst/>
+          </a:prstGeom>
+          <a:noFill/>
+        </p:spPr>
+        <p:txBody>
+          <a:bodyPr wrap="square" rtlCol="0">
+            <a:spAutoFit/>
+          </a:bodyPr>
+          <a:lstStyle/>
+          <a:p>
+            <a:r>
+              <a:rPr lang="en-US" b="1" dirty="0" smtClean="0"/>
+              <a:t>S</a:t>
+            </a:r>
+            <a:r>
+              <a:rPr lang="en-US" b="1" baseline="-25000" dirty="0"/>
+              <a:t>3</a:t>
+            </a:r>
+          </a:p>
+        </p:txBody>
+      </p:sp>
+      <p:sp>
+        <p:nvSpPr>
+          <p:cNvPr id="33" name="TextBox 32"/>
+          <p:cNvSpPr txBox="1"/>
+          <p:nvPr/>
+        </p:nvSpPr>
+        <p:spPr>
+          <a:xfrm>
+            <a:off x="3267056" y="1256219"/>
+            <a:ext cx="496777" cy="369332"/>
+          </a:xfrm>
+          <a:prstGeom prst="rect">
+            <a:avLst/>
+          </a:prstGeom>
+          <a:noFill/>
+        </p:spPr>
+        <p:txBody>
+          <a:bodyPr wrap="square" rtlCol="0">
+            <a:spAutoFit/>
+          </a:bodyPr>
+          <a:lstStyle/>
+          <a:p>
+            <a:r>
+              <a:rPr lang="en-US" b="1" dirty="0" smtClean="0"/>
+              <a:t>S</a:t>
+            </a:r>
+            <a:r>
+              <a:rPr lang="en-US" b="1" baseline="-25000" dirty="0" smtClean="0"/>
+              <a:t>2</a:t>
+            </a:r>
+            <a:endParaRPr lang="en-US" b="1" baseline="-25000" dirty="0"/>
+          </a:p>
+        </p:txBody>
+      </p:sp>
+      <p:sp>
+        <p:nvSpPr>
+          <p:cNvPr id="34" name="TextBox 33"/>
+          <p:cNvSpPr txBox="1"/>
+          <p:nvPr/>
+        </p:nvSpPr>
+        <p:spPr>
+          <a:xfrm>
+            <a:off x="5059326" y="1270593"/>
+            <a:ext cx="496777" cy="369332"/>
+          </a:xfrm>
+          <a:prstGeom prst="rect">
+            <a:avLst/>
+          </a:prstGeom>
+          <a:noFill/>
+        </p:spPr>
+        <p:txBody>
+          <a:bodyPr wrap="square" rtlCol="0">
+            <a:spAutoFit/>
+          </a:bodyPr>
+          <a:lstStyle/>
+          <a:p>
+            <a:r>
+              <a:rPr lang="en-US" b="1" dirty="0" smtClean="0"/>
+              <a:t>S</a:t>
+            </a:r>
+            <a:r>
+              <a:rPr lang="en-US" b="1" baseline="-25000" dirty="0"/>
+              <a:t>5</a:t>
+            </a:r>
+          </a:p>
+        </p:txBody>
+      </p:sp>
+      <p:sp>
+        <p:nvSpPr>
+          <p:cNvPr id="35" name="TextBox 34"/>
+          <p:cNvSpPr txBox="1"/>
+          <p:nvPr/>
+        </p:nvSpPr>
+        <p:spPr>
+          <a:xfrm>
+            <a:off x="6837416" y="1270593"/>
+            <a:ext cx="496777" cy="369332"/>
+          </a:xfrm>
+          <a:prstGeom prst="rect">
+            <a:avLst/>
+          </a:prstGeom>
+          <a:noFill/>
+        </p:spPr>
+        <p:txBody>
+          <a:bodyPr wrap="square" rtlCol="0">
+            <a:spAutoFit/>
+          </a:bodyPr>
+          <a:lstStyle/>
+          <a:p>
+            <a:r>
+              <a:rPr lang="en-US" b="1" dirty="0" smtClean="0"/>
+              <a:t>S</a:t>
+            </a:r>
+            <a:r>
+              <a:rPr lang="en-US" b="1" baseline="-25000" dirty="0"/>
+              <a:t>4</a:t>
+            </a:r>
+          </a:p>
+        </p:txBody>
+      </p:sp>
+      <p:sp>
+        <p:nvSpPr>
+          <p:cNvPr id="36" name="TextBox 35"/>
+          <p:cNvSpPr txBox="1"/>
+          <p:nvPr/>
+        </p:nvSpPr>
+        <p:spPr>
+          <a:xfrm>
+            <a:off x="1474784" y="2159904"/>
+            <a:ext cx="496777" cy="369332"/>
+          </a:xfrm>
+          <a:prstGeom prst="rect">
+            <a:avLst/>
+          </a:prstGeom>
+          <a:noFill/>
+        </p:spPr>
+        <p:txBody>
+          <a:bodyPr wrap="square" rtlCol="0">
+            <a:spAutoFit/>
+          </a:bodyPr>
+          <a:lstStyle/>
+          <a:p>
+            <a:r>
+              <a:rPr lang="en-US" b="1" dirty="0" smtClean="0"/>
+              <a:t>S</a:t>
+            </a:r>
+            <a:r>
+              <a:rPr lang="en-US" b="1" baseline="-25000" dirty="0"/>
+              <a:t>4</a:t>
+            </a:r>
+          </a:p>
+        </p:txBody>
+      </p:sp>
+      <p:sp>
+        <p:nvSpPr>
+          <p:cNvPr id="37" name="TextBox 36"/>
+          <p:cNvSpPr txBox="1"/>
+          <p:nvPr/>
+        </p:nvSpPr>
+        <p:spPr>
+          <a:xfrm>
+            <a:off x="3267056" y="2159904"/>
+            <a:ext cx="496777" cy="369332"/>
+          </a:xfrm>
+          <a:prstGeom prst="rect">
+            <a:avLst/>
+          </a:prstGeom>
+          <a:noFill/>
+        </p:spPr>
+        <p:txBody>
+          <a:bodyPr wrap="square" rtlCol="0">
+            <a:spAutoFit/>
+          </a:bodyPr>
+          <a:lstStyle/>
+          <a:p>
+            <a:r>
+              <a:rPr lang="en-US" b="1" dirty="0" smtClean="0"/>
+              <a:t>S</a:t>
+            </a:r>
+            <a:r>
+              <a:rPr lang="en-US" b="1" baseline="-25000" dirty="0" smtClean="0"/>
+              <a:t>1</a:t>
+            </a:r>
+            <a:endParaRPr lang="en-US" b="1" baseline="-25000" dirty="0"/>
+          </a:p>
+        </p:txBody>
+      </p:sp>
+      <p:sp>
+        <p:nvSpPr>
+          <p:cNvPr id="38" name="TextBox 37"/>
+          <p:cNvSpPr txBox="1"/>
+          <p:nvPr/>
+        </p:nvSpPr>
+        <p:spPr>
+          <a:xfrm>
+            <a:off x="5059328" y="2177263"/>
+            <a:ext cx="496777" cy="369332"/>
+          </a:xfrm>
+          <a:prstGeom prst="rect">
+            <a:avLst/>
+          </a:prstGeom>
+          <a:noFill/>
+        </p:spPr>
+        <p:txBody>
+          <a:bodyPr wrap="square" rtlCol="0">
+            <a:spAutoFit/>
+          </a:bodyPr>
+          <a:lstStyle/>
+          <a:p>
+            <a:r>
+              <a:rPr lang="en-US" b="1" dirty="0" smtClean="0"/>
+              <a:t>S</a:t>
+            </a:r>
+            <a:r>
+              <a:rPr lang="en-US" b="1" baseline="-25000" dirty="0" smtClean="0"/>
+              <a:t>2</a:t>
+            </a:r>
+            <a:endParaRPr lang="en-US" b="1" baseline="-25000" dirty="0"/>
+          </a:p>
+        </p:txBody>
+      </p:sp>
+      <p:sp>
+        <p:nvSpPr>
+          <p:cNvPr id="39" name="TextBox 38"/>
+          <p:cNvSpPr txBox="1"/>
+          <p:nvPr/>
+        </p:nvSpPr>
+        <p:spPr>
+          <a:xfrm>
+            <a:off x="6837416" y="2142387"/>
+            <a:ext cx="496777" cy="369332"/>
+          </a:xfrm>
+          <a:prstGeom prst="rect">
+            <a:avLst/>
+          </a:prstGeom>
+          <a:noFill/>
+        </p:spPr>
+        <p:txBody>
+          <a:bodyPr wrap="square" rtlCol="0">
+            <a:spAutoFit/>
+          </a:bodyPr>
+          <a:lstStyle/>
+          <a:p>
+            <a:r>
+              <a:rPr lang="en-US" b="1" dirty="0" smtClean="0"/>
+              <a:t>S</a:t>
+            </a:r>
+            <a:r>
+              <a:rPr lang="en-US" b="1" baseline="-25000" dirty="0" smtClean="0"/>
+              <a:t>1</a:t>
+            </a:r>
+            <a:endParaRPr lang="en-US" b="1" baseline="-25000" dirty="0"/>
+          </a:p>
+        </p:txBody>
+      </p:sp>
+      <p:sp>
+        <p:nvSpPr>
+          <p:cNvPr id="40" name="TextBox 39"/>
+          <p:cNvSpPr txBox="1"/>
+          <p:nvPr/>
+        </p:nvSpPr>
+        <p:spPr>
+          <a:xfrm>
+            <a:off x="1474784" y="3048936"/>
+            <a:ext cx="496777" cy="369332"/>
+          </a:xfrm>
+          <a:prstGeom prst="rect">
+            <a:avLst/>
+          </a:prstGeom>
+          <a:noFill/>
+        </p:spPr>
+        <p:txBody>
+          <a:bodyPr wrap="square" rtlCol="0">
+            <a:spAutoFit/>
+          </a:bodyPr>
+          <a:lstStyle/>
+          <a:p>
+            <a:r>
+              <a:rPr lang="en-US" b="1" dirty="0" smtClean="0"/>
+              <a:t>S</a:t>
+            </a:r>
+            <a:r>
+              <a:rPr lang="en-US" b="1" baseline="-25000" dirty="0" smtClean="0"/>
+              <a:t>5</a:t>
+            </a:r>
+            <a:endParaRPr lang="en-US" b="1" baseline="-25000" dirty="0"/>
+          </a:p>
+        </p:txBody>
+      </p:sp>
+      <p:sp>
+        <p:nvSpPr>
+          <p:cNvPr id="41" name="TextBox 40"/>
+          <p:cNvSpPr txBox="1"/>
+          <p:nvPr/>
+        </p:nvSpPr>
+        <p:spPr>
+          <a:xfrm>
+            <a:off x="3267056" y="3048936"/>
+            <a:ext cx="496777" cy="369332"/>
+          </a:xfrm>
+          <a:prstGeom prst="rect">
+            <a:avLst/>
+          </a:prstGeom>
+          <a:noFill/>
+        </p:spPr>
+        <p:txBody>
+          <a:bodyPr wrap="square" rtlCol="0">
+            <a:spAutoFit/>
+          </a:bodyPr>
+          <a:lstStyle/>
+          <a:p>
+            <a:r>
+              <a:rPr lang="en-US" b="1" dirty="0" smtClean="0"/>
+              <a:t>S</a:t>
+            </a:r>
+            <a:r>
+              <a:rPr lang="en-US" b="1" baseline="-25000" dirty="0" smtClean="0"/>
+              <a:t>3</a:t>
+            </a:r>
+            <a:endParaRPr lang="en-US" b="1" baseline="-25000" dirty="0"/>
+          </a:p>
+        </p:txBody>
+      </p:sp>
+      <p:sp>
+        <p:nvSpPr>
+          <p:cNvPr id="42" name="TextBox 41"/>
+          <p:cNvSpPr txBox="1"/>
+          <p:nvPr/>
+        </p:nvSpPr>
+        <p:spPr>
+          <a:xfrm>
+            <a:off x="5059326" y="3063310"/>
+            <a:ext cx="496777" cy="369332"/>
+          </a:xfrm>
+          <a:prstGeom prst="rect">
+            <a:avLst/>
+          </a:prstGeom>
+          <a:noFill/>
+        </p:spPr>
+        <p:txBody>
+          <a:bodyPr wrap="square" rtlCol="0">
+            <a:spAutoFit/>
+          </a:bodyPr>
+          <a:lstStyle/>
+          <a:p>
+            <a:r>
+              <a:rPr lang="en-US" b="1" dirty="0" smtClean="0"/>
+              <a:t>S</a:t>
+            </a:r>
+            <a:r>
+              <a:rPr lang="en-US" b="1" baseline="-25000" dirty="0" smtClean="0"/>
+              <a:t>4</a:t>
+            </a:r>
+            <a:endParaRPr lang="en-US" b="1" baseline="-25000" dirty="0"/>
+          </a:p>
+        </p:txBody>
+      </p:sp>
+      <p:sp>
+        <p:nvSpPr>
+          <p:cNvPr id="43" name="TextBox 42"/>
+          <p:cNvSpPr txBox="1"/>
+          <p:nvPr/>
+        </p:nvSpPr>
+        <p:spPr>
+          <a:xfrm>
+            <a:off x="6837416" y="3063310"/>
+            <a:ext cx="496777" cy="369332"/>
+          </a:xfrm>
+          <a:prstGeom prst="rect">
+            <a:avLst/>
+          </a:prstGeom>
+          <a:noFill/>
+        </p:spPr>
+        <p:txBody>
+          <a:bodyPr wrap="square" rtlCol="0">
+            <a:spAutoFit/>
+          </a:bodyPr>
+          <a:lstStyle/>
+          <a:p>
+            <a:r>
+              <a:rPr lang="en-US" b="1" dirty="0" smtClean="0"/>
+              <a:t>S</a:t>
+            </a:r>
+            <a:r>
+              <a:rPr lang="en-US" b="1" baseline="-25000" dirty="0" smtClean="0"/>
+              <a:t>2</a:t>
+            </a:r>
+            <a:endParaRPr lang="en-US" b="1" baseline="-25000" dirty="0"/>
+          </a:p>
+        </p:txBody>
+      </p:sp>
+      <p:sp>
+        <p:nvSpPr>
+          <p:cNvPr id="44" name="TextBox 43"/>
+          <p:cNvSpPr txBox="1"/>
+          <p:nvPr/>
+        </p:nvSpPr>
+        <p:spPr>
+          <a:xfrm>
+            <a:off x="1474784" y="3960366"/>
+            <a:ext cx="496777" cy="369332"/>
+          </a:xfrm>
+          <a:prstGeom prst="rect">
+            <a:avLst/>
+          </a:prstGeom>
+          <a:noFill/>
+        </p:spPr>
+        <p:txBody>
+          <a:bodyPr wrap="square" rtlCol="0">
+            <a:spAutoFit/>
+          </a:bodyPr>
+          <a:lstStyle/>
+          <a:p>
+            <a:r>
+              <a:rPr lang="en-US" b="1" dirty="0" smtClean="0"/>
+              <a:t>S</a:t>
+            </a:r>
+            <a:r>
+              <a:rPr lang="en-US" b="1" baseline="-25000" dirty="0" smtClean="0"/>
+              <a:t>1</a:t>
+            </a:r>
+            <a:endParaRPr lang="en-US" b="1" baseline="-25000" dirty="0"/>
+          </a:p>
+        </p:txBody>
+      </p:sp>
+      <p:sp>
+        <p:nvSpPr>
+          <p:cNvPr id="45" name="TextBox 44"/>
+          <p:cNvSpPr txBox="1"/>
+          <p:nvPr/>
+        </p:nvSpPr>
+        <p:spPr>
+          <a:xfrm>
+            <a:off x="3267056" y="3960366"/>
+            <a:ext cx="496777" cy="369332"/>
+          </a:xfrm>
+          <a:prstGeom prst="rect">
+            <a:avLst/>
+          </a:prstGeom>
+          <a:noFill/>
+        </p:spPr>
+        <p:txBody>
+          <a:bodyPr wrap="square" rtlCol="0">
+            <a:spAutoFit/>
+          </a:bodyPr>
+          <a:lstStyle/>
+          <a:p>
+            <a:r>
+              <a:rPr lang="en-US" b="1" dirty="0" smtClean="0"/>
+              <a:t>S</a:t>
+            </a:r>
+            <a:r>
+              <a:rPr lang="en-US" b="1" baseline="-25000" dirty="0" smtClean="0"/>
+              <a:t>3</a:t>
+            </a:r>
+            <a:endParaRPr lang="en-US" b="1" baseline="-25000" dirty="0"/>
+          </a:p>
+        </p:txBody>
+      </p:sp>
+      <p:sp>
+        <p:nvSpPr>
+          <p:cNvPr id="46" name="TextBox 45"/>
+          <p:cNvSpPr txBox="1"/>
+          <p:nvPr/>
+        </p:nvSpPr>
+        <p:spPr>
+          <a:xfrm>
+            <a:off x="5059326" y="3974740"/>
+            <a:ext cx="496777" cy="369332"/>
+          </a:xfrm>
+          <a:prstGeom prst="rect">
+            <a:avLst/>
+          </a:prstGeom>
+          <a:noFill/>
+        </p:spPr>
+        <p:txBody>
+          <a:bodyPr wrap="square" rtlCol="0">
+            <a:spAutoFit/>
+          </a:bodyPr>
+          <a:lstStyle/>
+          <a:p>
+            <a:r>
+              <a:rPr lang="en-US" b="1" dirty="0" smtClean="0"/>
+              <a:t>S</a:t>
+            </a:r>
+            <a:r>
+              <a:rPr lang="en-US" b="1" baseline="-25000" dirty="0" smtClean="0"/>
+              <a:t>4</a:t>
+            </a:r>
+            <a:endParaRPr lang="en-US" b="1" baseline="-25000" dirty="0"/>
+          </a:p>
+        </p:txBody>
+      </p:sp>
+      <p:sp>
+        <p:nvSpPr>
+          <p:cNvPr id="47" name="TextBox 46"/>
+          <p:cNvSpPr txBox="1"/>
+          <p:nvPr/>
+        </p:nvSpPr>
+        <p:spPr>
+          <a:xfrm>
+            <a:off x="6837416" y="3974740"/>
+            <a:ext cx="496777" cy="369332"/>
+          </a:xfrm>
+          <a:prstGeom prst="rect">
+            <a:avLst/>
+          </a:prstGeom>
+          <a:noFill/>
+        </p:spPr>
+        <p:txBody>
+          <a:bodyPr wrap="square" rtlCol="0">
+            <a:spAutoFit/>
+          </a:bodyPr>
+          <a:lstStyle/>
+          <a:p>
+            <a:r>
+              <a:rPr lang="en-US" b="1" dirty="0" smtClean="0"/>
+              <a:t>S</a:t>
+            </a:r>
+            <a:r>
+              <a:rPr lang="en-US" b="1" baseline="-25000" dirty="0" smtClean="0"/>
+              <a:t>5</a:t>
+            </a:r>
+            <a:endParaRPr lang="en-US" b="1" baseline="-25000" dirty="0"/>
+          </a:p>
+        </p:txBody>
+      </p:sp>
+    </p:spTree>
+    <p:extLst>
+      <p:ext uri="{BB962C8B-B14F-4D97-AF65-F5344CB8AC3E}">
+        <p14:creationId xmlns:p14="http://schemas.microsoft.com/office/powerpoint/2010/main" val="530145572"/>
       </p:ext>
     </p:extLst>
   </p:cSld>
